--- a/Introduction to Data Visualization and Types.pptx
+++ b/Introduction to Data Visualization and Types.pptx
@@ -7,17 +7,14 @@
   <p:sldIdLst>
     <p:sldId id="258" r:id="rId3"/>
     <p:sldId id="259" r:id="rId4"/>
-    <p:sldId id="261" r:id="rId5"/>
-    <p:sldId id="263" r:id="rId6"/>
-    <p:sldId id="264" r:id="rId7"/>
-    <p:sldId id="265" r:id="rId8"/>
-    <p:sldId id="266" r:id="rId9"/>
-    <p:sldId id="267" r:id="rId10"/>
-    <p:sldId id="256" r:id="rId11"/>
-    <p:sldId id="257" r:id="rId12"/>
-    <p:sldId id="268" r:id="rId13"/>
-    <p:sldId id="269" r:id="rId14"/>
-    <p:sldId id="270" r:id="rId15"/>
+    <p:sldId id="271" r:id="rId5"/>
+    <p:sldId id="272" r:id="rId6"/>
+    <p:sldId id="273" r:id="rId7"/>
+    <p:sldId id="274" r:id="rId8"/>
+    <p:sldId id="275" r:id="rId9"/>
+    <p:sldId id="276" r:id="rId10"/>
+    <p:sldId id="277" r:id="rId11"/>
+    <p:sldId id="278" r:id="rId12"/>
   </p:sldIdLst>
   <p:sldSz cx="12192000" cy="6858000"/>
   <p:notesSz cx="6858000" cy="9144000"/>
@@ -3083,9 +3080,31 @@
         <p:nvPr/>
       </p:nvGrpSpPr>
       <p:grpSpPr/>
+      <p:sp>
+        <p:nvSpPr>
+          <p:cNvPr id="2" name="Title 1"/>
+          <p:cNvSpPr>
+            <a:spLocks noGrp="1"/>
+          </p:cNvSpPr>
+          <p:nvPr>
+            <p:ph type="title"/>
+          </p:nvPr>
+        </p:nvSpPr>
+        <p:spPr/>
+        <p:txBody>
+          <a:bodyPr/>
+          <a:p>
+            <a:r>
+              <a:rPr lang="en-US" altLang="en-GB" b="1"/>
+              <a:t>Why It’s Useful?</a:t>
+            </a:r>
+            <a:endParaRPr lang="en-US" altLang="en-GB" b="1"/>
+          </a:p>
+        </p:txBody>
+      </p:sp>
       <p:pic>
         <p:nvPicPr>
-          <p:cNvPr id="4" name="Picture 3"/>
+          <p:cNvPr id="3" name="Picture 2"/>
           <p:cNvPicPr>
             <a:picLocks noChangeAspect="1"/>
           </p:cNvPicPr>
@@ -3099,245 +3118,8 @@
         </p:blipFill>
         <p:spPr>
           <a:xfrm>
-            <a:off x="1957070" y="995045"/>
-            <a:ext cx="8277225" cy="2009775"/>
-          </a:xfrm>
-          <a:prstGeom prst="rect">
-            <a:avLst/>
-          </a:prstGeom>
-        </p:spPr>
-      </p:pic>
-      <p:pic>
-        <p:nvPicPr>
-          <p:cNvPr id="5" name="Picture 4"/>
-          <p:cNvPicPr>
-            <a:picLocks noChangeAspect="1"/>
-          </p:cNvPicPr>
-          <p:nvPr/>
-        </p:nvPicPr>
-        <p:blipFill>
-          <a:blip r:embed="rId2"/>
-          <a:stretch>
-            <a:fillRect/>
-          </a:stretch>
-        </p:blipFill>
-        <p:spPr>
-          <a:xfrm>
-            <a:off x="1692910" y="3256280"/>
-            <a:ext cx="8924925" cy="3143250"/>
-          </a:xfrm>
-          <a:prstGeom prst="rect">
-            <a:avLst/>
-          </a:prstGeom>
-        </p:spPr>
-      </p:pic>
-    </p:spTree>
-  </p:cSld>
-  <p:clrMapOvr>
-    <a:masterClrMapping/>
-  </p:clrMapOvr>
-</p:sld>
-</file>
-
-<file path=ppt/slides/slide11.xml><?xml version="1.0" encoding="utf-8"?>
-<p:sld xmlns:a="http://schemas.openxmlformats.org/drawingml/2006/main" xmlns:r="http://schemas.openxmlformats.org/officeDocument/2006/relationships" xmlns:p="http://schemas.openxmlformats.org/presentationml/2006/main">
-  <p:cSld>
-    <p:spTree>
-      <p:nvGrpSpPr>
-        <p:cNvPr id="1" name=""/>
-        <p:cNvGrpSpPr/>
-        <p:nvPr/>
-      </p:nvGrpSpPr>
-      <p:grpSpPr/>
-      <p:pic>
-        <p:nvPicPr>
-          <p:cNvPr id="2" name="Picture 1"/>
-          <p:cNvPicPr>
-            <a:picLocks noChangeAspect="1"/>
-          </p:cNvPicPr>
-          <p:nvPr/>
-        </p:nvPicPr>
-        <p:blipFill>
-          <a:blip r:embed="rId1"/>
-          <a:stretch>
-            <a:fillRect/>
-          </a:stretch>
-        </p:blipFill>
-        <p:spPr>
-          <a:xfrm>
-            <a:off x="1356995" y="1590675"/>
-            <a:ext cx="9477375" cy="3676650"/>
-          </a:xfrm>
-          <a:prstGeom prst="rect">
-            <a:avLst/>
-          </a:prstGeom>
-        </p:spPr>
-      </p:pic>
-      <p:sp>
-        <p:nvSpPr>
-          <p:cNvPr id="3" name="Title 2"/>
-          <p:cNvSpPr>
-            <a:spLocks noGrp="1"/>
-          </p:cNvSpPr>
-          <p:nvPr>
-            <p:ph type="title"/>
-          </p:nvPr>
-        </p:nvSpPr>
-        <p:spPr>
-          <a:xfrm>
-            <a:off x="1380490" y="465455"/>
-            <a:ext cx="9287510" cy="961390"/>
-          </a:xfrm>
-        </p:spPr>
-        <p:txBody>
-          <a:bodyPr>
-            <a:normAutofit/>
-          </a:bodyPr>
-          <a:p>
-            <a:r>
-              <a:rPr lang="en-US" altLang="en-GB" b="1"/>
-              <a:t>Heatmap color styling</a:t>
-            </a:r>
-            <a:endParaRPr lang="en-US" altLang="en-GB" b="1"/>
-          </a:p>
-        </p:txBody>
-      </p:sp>
-    </p:spTree>
-  </p:cSld>
-  <p:clrMapOvr>
-    <a:masterClrMapping/>
-  </p:clrMapOvr>
-</p:sld>
-</file>
-
-<file path=ppt/slides/slide12.xml><?xml version="1.0" encoding="utf-8"?>
-<p:sld xmlns:a="http://schemas.openxmlformats.org/drawingml/2006/main" xmlns:r="http://schemas.openxmlformats.org/officeDocument/2006/relationships" xmlns:p="http://schemas.openxmlformats.org/presentationml/2006/main">
-  <p:cSld>
-    <p:spTree>
-      <p:nvGrpSpPr>
-        <p:cNvPr id="1" name=""/>
-        <p:cNvGrpSpPr/>
-        <p:nvPr/>
-      </p:nvGrpSpPr>
-      <p:grpSpPr/>
-      <p:sp>
-        <p:nvSpPr>
-          <p:cNvPr id="3" name="Title 2"/>
-          <p:cNvSpPr>
-            <a:spLocks noGrp="1"/>
-          </p:cNvSpPr>
-          <p:nvPr>
-            <p:ph type="title"/>
-          </p:nvPr>
-        </p:nvSpPr>
-        <p:spPr>
-          <a:xfrm>
-            <a:off x="1380490" y="465455"/>
-            <a:ext cx="9287510" cy="961390"/>
-          </a:xfrm>
-        </p:spPr>
-        <p:txBody>
-          <a:bodyPr>
-            <a:normAutofit/>
-          </a:bodyPr>
-          <a:p>
-            <a:r>
-              <a:rPr lang="en-US" altLang="en-GB" b="1"/>
-              <a:t>Heatmap color styling</a:t>
-            </a:r>
-            <a:endParaRPr lang="en-US" altLang="en-GB" b="1"/>
-          </a:p>
-        </p:txBody>
-      </p:sp>
-      <p:pic>
-        <p:nvPicPr>
-          <p:cNvPr id="4" name="Picture 3"/>
-          <p:cNvPicPr>
-            <a:picLocks noChangeAspect="1"/>
-          </p:cNvPicPr>
-          <p:nvPr/>
-        </p:nvPicPr>
-        <p:blipFill>
-          <a:blip r:embed="rId1"/>
-          <a:stretch>
-            <a:fillRect/>
-          </a:stretch>
-        </p:blipFill>
-        <p:spPr>
-          <a:xfrm>
-            <a:off x="1362075" y="1728470"/>
-            <a:ext cx="9467850" cy="3667125"/>
-          </a:xfrm>
-          <a:prstGeom prst="rect">
-            <a:avLst/>
-          </a:prstGeom>
-        </p:spPr>
-      </p:pic>
-    </p:spTree>
-  </p:cSld>
-  <p:clrMapOvr>
-    <a:masterClrMapping/>
-  </p:clrMapOvr>
-</p:sld>
-</file>
-
-<file path=ppt/slides/slide13.xml><?xml version="1.0" encoding="utf-8"?>
-<p:sld xmlns:a="http://schemas.openxmlformats.org/drawingml/2006/main" xmlns:r="http://schemas.openxmlformats.org/officeDocument/2006/relationships" xmlns:p="http://schemas.openxmlformats.org/presentationml/2006/main">
-  <p:cSld>
-    <p:spTree>
-      <p:nvGrpSpPr>
-        <p:cNvPr id="1" name=""/>
-        <p:cNvGrpSpPr/>
-        <p:nvPr/>
-      </p:nvGrpSpPr>
-      <p:grpSpPr/>
-      <p:sp>
-        <p:nvSpPr>
-          <p:cNvPr id="3" name="Title 2"/>
-          <p:cNvSpPr>
-            <a:spLocks noGrp="1"/>
-          </p:cNvSpPr>
-          <p:nvPr>
-            <p:ph type="title"/>
-          </p:nvPr>
-        </p:nvSpPr>
-        <p:spPr>
-          <a:xfrm>
-            <a:off x="1380490" y="465455"/>
-            <a:ext cx="9287510" cy="961390"/>
-          </a:xfrm>
-        </p:spPr>
-        <p:txBody>
-          <a:bodyPr>
-            <a:normAutofit/>
-          </a:bodyPr>
-          <a:p>
-            <a:r>
-              <a:rPr lang="en-US" altLang="en-GB" b="1"/>
-              <a:t>Heatmap color styling</a:t>
-            </a:r>
-            <a:endParaRPr lang="en-US" altLang="en-GB" b="1"/>
-          </a:p>
-        </p:txBody>
-      </p:sp>
-      <p:pic>
-        <p:nvPicPr>
-          <p:cNvPr id="2" name="Picture 1"/>
-          <p:cNvPicPr>
-            <a:picLocks noChangeAspect="1"/>
-          </p:cNvPicPr>
-          <p:nvPr/>
-        </p:nvPicPr>
-        <p:blipFill>
-          <a:blip r:embed="rId1"/>
-          <a:stretch>
-            <a:fillRect/>
-          </a:stretch>
-        </p:blipFill>
-        <p:spPr>
-          <a:xfrm>
-            <a:off x="1414145" y="1685925"/>
-            <a:ext cx="9363075" cy="3790950"/>
+            <a:off x="1914525" y="2266950"/>
+            <a:ext cx="8343900" cy="2286000"/>
           </a:xfrm>
           <a:prstGeom prst="rect">
             <a:avLst/>
@@ -3409,7 +3191,7 @@
             </a:pPr>
             <a:r>
               <a:rPr lang="en-US" altLang="en-GB"/>
-              <a:t> Exploratory Data Analysis</a:t>
+              <a:t> Time Series Data Visualization</a:t>
             </a:r>
             <a:endParaRPr lang="en-US" altLang="en-GB"/>
           </a:p>
@@ -3420,7 +3202,7 @@
             </a:pPr>
             <a:r>
               <a:rPr lang="en-US" altLang="en-GB"/>
-              <a:t> Seaborn styling set</a:t>
+              <a:t> Moving Average</a:t>
             </a:r>
             <a:endParaRPr lang="en-US" altLang="en-GB"/>
           </a:p>
@@ -3431,7 +3213,7 @@
             </a:pPr>
             <a:r>
               <a:rPr lang="en-US" altLang="en-GB"/>
-              <a:t> Heatmap color styling</a:t>
+              <a:t> Seasonal Decomposition</a:t>
             </a:r>
             <a:endParaRPr lang="en-US" altLang="en-GB"/>
           </a:p>
@@ -3477,12 +3259,10 @@
           <a:bodyPr/>
           <a:p>
             <a:r>
-              <a:rPr lang="en-US" altLang="en-GB" b="1">
-                <a:sym typeface="+mn-ea"/>
-              </a:rPr>
-              <a:t>Exploratory Data Analysis</a:t>
-            </a:r>
-            <a:endParaRPr lang="en-GB" altLang="en-US" b="1"/>
+              <a:rPr lang="en-US" altLang="en-GB" b="1"/>
+              <a:t>Time Series Data Visualization</a:t>
+            </a:r>
+            <a:endParaRPr lang="en-US" altLang="en-GB" b="1"/>
           </a:p>
         </p:txBody>
       </p:sp>
@@ -3498,14 +3278,20 @@
         </p:nvSpPr>
         <p:spPr/>
         <p:txBody>
-          <a:bodyPr/>
+          <a:bodyPr>
+            <a:normAutofit fontScale="90000" lnSpcReduction="20000"/>
+          </a:bodyPr>
           <a:p>
             <a:pPr marL="0" indent="0">
               <a:buNone/>
             </a:pPr>
             <a:r>
+              <a:rPr lang="en-US" altLang="en-GB" b="1"/>
+              <a:t>Teacher</a:t>
+            </a:r>
+            <a:r>
               <a:rPr lang="en-US" altLang="en-GB"/>
-              <a:t>Teacher:</a:t>
+              <a:t>:</a:t>
             </a:r>
             <a:endParaRPr lang="en-US" altLang="en-GB"/>
           </a:p>
@@ -3513,41 +3299,70 @@
             <a:pPr marL="0" indent="0">
               <a:buNone/>
             </a:pPr>
+            <a:r>
+              <a:rPr lang="en-US" altLang="en-GB"/>
+              <a:t>After your fantastic EDA, the mayor gives you a new task.</a:t>
+            </a:r>
             <a:endParaRPr lang="en-US" altLang="en-GB"/>
           </a:p>
           <a:p>
+            <a:endParaRPr lang="en-US" altLang="en-GB"/>
+          </a:p>
+          <a:p>
             <a:pPr marL="0" indent="0">
               <a:buNone/>
             </a:pPr>
             <a:r>
+              <a:rPr lang="zh-CN" altLang="en-US"/>
+              <a:t>🌦</a:t>
+            </a:r>
+            <a:r>
               <a:rPr lang="en-US" altLang="en-GB"/>
-              <a:t>“Good morning, data detectives! </a:t>
+              <a:t> “I want to know how the temperature has been changing every month in SunnyVille over the past 10 years,” she says.</a:t>
+            </a:r>
+            <a:endParaRPr lang="en-US" altLang="en-GB"/>
+          </a:p>
+          <a:p>
+            <a:endParaRPr lang="en-US" altLang="en-GB"/>
+          </a:p>
+          <a:p>
+            <a:pPr marL="0" indent="0">
+              <a:buNone/>
+            </a:pPr>
+            <a:r>
+              <a:rPr lang="en-US" altLang="en-GB"/>
+              <a:t>Time to dive into Time Series Data!</a:t>
+            </a:r>
+            <a:endParaRPr lang="en-US" altLang="en-GB"/>
+          </a:p>
+          <a:p>
+            <a:endParaRPr lang="en-US" altLang="en-GB"/>
+          </a:p>
+          <a:p>
+            <a:pPr marL="0" indent="0">
+              <a:buNone/>
+            </a:pPr>
+            <a:r>
+              <a:rPr lang="en-US" altLang="en-GB" b="1"/>
+              <a:t>Story Twist</a:t>
+            </a:r>
+            <a:r>
+              <a:rPr lang="en-US" altLang="en-GB"/>
+              <a:t>:</a:t>
+            </a:r>
+            <a:endParaRPr lang="en-US" altLang="en-GB"/>
+          </a:p>
+          <a:p>
+            <a:pPr marL="0" indent="0">
+              <a:buNone/>
+            </a:pPr>
+            <a:r>
+              <a:rPr lang="en-US" altLang="en-GB"/>
+              <a:t>You find out that ice cream sales go up when the temperature is high, but power outages also increase. </a:t>
             </a:r>
             <a:r>
               <a:rPr lang="zh-CN" altLang="en-US"/>
-              <a:t>👀</a:t>
-            </a:r>
-            <a:r>
-              <a:rPr lang="en-US" altLang="en-GB"/>
-              <a:t> Today, we’re going on a journey — not just into data, but into the heart of SunnyVille, a town full of secrets, weather changes, and even... pigeons with GPS trackers.”</a:t>
-            </a:r>
-            <a:endParaRPr lang="en-US" altLang="en-GB"/>
-          </a:p>
-          <a:p>
-            <a:pPr marL="3657600" lvl="8" indent="457200">
-              <a:buNone/>
-            </a:pPr>
-            <a:r>
-              <a:rPr lang="zh-CN" altLang="en-US"/>
-              <a:t>🕵</a:t>
-            </a:r>
-            <a:r>
-              <a:rPr lang="en-US" altLang="en-GB"/>
-              <a:t>‍</a:t>
-            </a:r>
-            <a:r>
-              <a:rPr lang="zh-CN" altLang="en-US"/>
-              <a:t>📈🌍</a:t>
+              <a:t>😅</a:t>
             </a:r>
             <a:endParaRPr lang="zh-CN" altLang="en-US"/>
           </a:p>
@@ -3586,12 +3401,10 @@
           <a:bodyPr/>
           <a:p>
             <a:r>
-              <a:rPr lang="en-US" altLang="en-GB" b="1">
-                <a:sym typeface="+mn-ea"/>
-              </a:rPr>
-              <a:t>Exploratory Data Analysis</a:t>
-            </a:r>
-            <a:endParaRPr lang="en-GB" altLang="en-US" b="1"/>
+              <a:rPr lang="en-US" altLang="en-GB" b="1"/>
+              <a:t>Time Series Data Visualization</a:t>
+            </a:r>
+            <a:endParaRPr lang="en-US" altLang="en-GB" b="1"/>
           </a:p>
         </p:txBody>
       </p:sp>
@@ -3608,7 +3421,7 @@
         <p:spPr/>
         <p:txBody>
           <a:bodyPr>
-            <a:normAutofit fontScale="80000"/>
+            <a:normAutofit lnSpcReduction="10000"/>
           </a:bodyPr>
           <a:p>
             <a:pPr marL="0" indent="0">
@@ -3616,37 +3429,7 @@
             </a:pPr>
             <a:r>
               <a:rPr lang="en-US" altLang="en-GB"/>
-              <a:t>Teacher:</a:t>
-            </a:r>
-            <a:endParaRPr lang="en-US" altLang="en-GB"/>
-          </a:p>
-          <a:p>
-            <a:pPr marL="0" indent="0">
-              <a:buNone/>
-            </a:pPr>
-            <a:r>
-              <a:rPr lang="en-US" altLang="en-GB"/>
-              <a:t>Once upon a time, in SunnyVille, the mayor was worried. People were complaining about power cuts, traffic, and even too many ice cream carts in some areas. So, she collected tons of data from surveys, temperature logs, electricity usage, and more.</a:t>
-            </a:r>
-            <a:endParaRPr lang="en-US" altLang="en-GB"/>
-          </a:p>
-          <a:p>
-            <a:pPr marL="0" indent="0">
-              <a:buNone/>
-            </a:pPr>
-            <a:r>
-              <a:rPr lang="en-US" altLang="en-GB" b="1"/>
-              <a:t>Now, imagine you're her data scientist.</a:t>
-            </a:r>
-            <a:endParaRPr lang="en-US" altLang="en-GB" b="1"/>
-          </a:p>
-          <a:p>
-            <a:pPr marL="0" indent="0">
-              <a:buNone/>
-            </a:pPr>
-            <a:r>
-              <a:rPr lang="en-US" altLang="en-GB"/>
-              <a:t>You open the Excel file. What do you see?</a:t>
+              <a:t>To show this, you use:</a:t>
             </a:r>
             <a:endParaRPr lang="en-US" altLang="en-GB"/>
           </a:p>
@@ -3659,27 +3442,30 @@
           <a:p>
             <a:r>
               <a:rPr lang="en-US" altLang="en-GB"/>
-              <a:t>Some rows have missing values.</a:t>
+              <a:t>Line charts</a:t>
             </a:r>
             <a:endParaRPr lang="en-US" altLang="en-GB"/>
           </a:p>
           <a:p>
             <a:r>
               <a:rPr lang="en-US" altLang="en-GB"/>
-              <a:t>Some columns like “complaint_type” have strange typos like "Trafic" and "Traffick."</a:t>
+              <a:t>Moving averages</a:t>
             </a:r>
             <a:endParaRPr lang="en-US" altLang="en-GB"/>
           </a:p>
           <a:p>
             <a:r>
               <a:rPr lang="en-US" altLang="en-GB"/>
-              <a:t>There are 10 types of ice cream carts in just one street. </a:t>
-            </a:r>
-            <a:r>
-              <a:rPr lang="zh-CN" altLang="en-US"/>
-              <a:t>🍦</a:t>
-            </a:r>
-            <a:endParaRPr lang="zh-CN" altLang="en-US"/>
+              <a:t>Seasonal decomposition plots</a:t>
+            </a:r>
+            <a:endParaRPr lang="en-US" altLang="en-GB"/>
+          </a:p>
+          <a:p>
+            <a:r>
+              <a:rPr lang="en-US" altLang="en-GB"/>
+              <a:t>Area charts to show peak consumption and weather patterns</a:t>
+            </a:r>
+            <a:endParaRPr lang="en-US" altLang="en-GB"/>
           </a:p>
         </p:txBody>
       </p:sp>
@@ -3716,12 +3502,10 @@
           <a:bodyPr/>
           <a:p>
             <a:r>
-              <a:rPr lang="en-US" altLang="en-GB" b="1">
-                <a:sym typeface="+mn-ea"/>
-              </a:rPr>
-              <a:t>Exploratory Data Analysis</a:t>
-            </a:r>
-            <a:endParaRPr lang="en-GB" altLang="en-US" b="1"/>
+              <a:rPr lang="en-US" altLang="en-GB" b="1"/>
+              <a:t>What is Moving average?</a:t>
+            </a:r>
+            <a:endParaRPr lang="en-US" altLang="en-GB" b="1"/>
           </a:p>
         </p:txBody>
       </p:sp>
@@ -3738,7 +3522,7 @@
         <p:spPr/>
         <p:txBody>
           <a:bodyPr>
-            <a:normAutofit fontScale="80000"/>
+            <a:normAutofit lnSpcReduction="10000"/>
           </a:bodyPr>
           <a:p>
             <a:pPr marL="0" indent="0">
@@ -3746,37 +3530,7 @@
             </a:pPr>
             <a:r>
               <a:rPr lang="en-US" altLang="en-GB"/>
-              <a:t>Teacher:</a:t>
-            </a:r>
-            <a:endParaRPr lang="en-US" altLang="en-GB"/>
-          </a:p>
-          <a:p>
-            <a:pPr marL="0" indent="0">
-              <a:buNone/>
-            </a:pPr>
-            <a:r>
-              <a:rPr lang="en-US" altLang="en-GB"/>
-              <a:t>Once upon a time, in SunnyVille, the mayor was worried. People were complaining about power cuts, traffic, and even too many ice cream carts in some areas. So, she collected tons of data from surveys, temperature logs, electricity usage, and more.</a:t>
-            </a:r>
-            <a:endParaRPr lang="en-US" altLang="en-GB"/>
-          </a:p>
-          <a:p>
-            <a:pPr marL="0" indent="0">
-              <a:buNone/>
-            </a:pPr>
-            <a:r>
-              <a:rPr lang="en-US" altLang="en-GB" b="1"/>
-              <a:t>Now, imagine you're her data scientist.</a:t>
-            </a:r>
-            <a:endParaRPr lang="en-US" altLang="en-GB" b="1"/>
-          </a:p>
-          <a:p>
-            <a:pPr marL="0" indent="0">
-              <a:buNone/>
-            </a:pPr>
-            <a:r>
-              <a:rPr lang="en-US" altLang="en-GB"/>
-              <a:t>You open the Excel file. What do you see?</a:t>
+              <a:t>A moving average smooths out short-term fluctuations in your data to help you see trends more clearly.</a:t>
             </a:r>
             <a:endParaRPr lang="en-US" altLang="en-GB"/>
           </a:p>
@@ -3787,29 +3541,20 @@
             <a:endParaRPr lang="en-US" altLang="en-GB"/>
           </a:p>
           <a:p>
+            <a:pPr marL="0" indent="0">
+              <a:buNone/>
+            </a:pPr>
             <a:r>
               <a:rPr lang="en-US" altLang="en-GB"/>
-              <a:t>Some rows have missing values.</a:t>
+              <a:t>Instead of showing the raw value at every point (which might be noisy), it shows the average of the last N values — like a rolling window.</a:t>
             </a:r>
             <a:endParaRPr lang="en-US" altLang="en-GB"/>
           </a:p>
           <a:p>
-            <a:r>
-              <a:rPr lang="en-US" altLang="en-GB"/>
-              <a:t>Some columns like “complaint_type” have strange typos like "Trafic" and "Traffick."</a:t>
-            </a:r>
+            <a:pPr marL="0" indent="0">
+              <a:buNone/>
+            </a:pPr>
             <a:endParaRPr lang="en-US" altLang="en-GB"/>
-          </a:p>
-          <a:p>
-            <a:r>
-              <a:rPr lang="en-US" altLang="en-GB"/>
-              <a:t>There are 10 types of ice cream carts in just one street. </a:t>
-            </a:r>
-            <a:r>
-              <a:rPr lang="zh-CN" altLang="en-US"/>
-              <a:t>🍦</a:t>
-            </a:r>
-            <a:endParaRPr lang="zh-CN" altLang="en-US"/>
           </a:p>
         </p:txBody>
       </p:sp>
@@ -3846,12 +3591,10 @@
           <a:bodyPr/>
           <a:p>
             <a:r>
-              <a:rPr lang="en-US" altLang="en-GB" b="1">
-                <a:sym typeface="+mn-ea"/>
-              </a:rPr>
-              <a:t>Exploratory Data Analysis</a:t>
-            </a:r>
-            <a:endParaRPr lang="en-GB" altLang="en-US" b="1"/>
+              <a:rPr lang="en-US" altLang="en-GB" b="1"/>
+              <a:t>What is Moving average?</a:t>
+            </a:r>
+            <a:endParaRPr lang="en-US" altLang="en-GB" b="1"/>
           </a:p>
         </p:txBody>
       </p:sp>
@@ -3868,7 +3611,7 @@
         <p:spPr/>
         <p:txBody>
           <a:bodyPr>
-            <a:normAutofit/>
+            <a:normAutofit lnSpcReduction="10000"/>
           </a:bodyPr>
           <a:p>
             <a:pPr marL="0" indent="0">
@@ -3876,17 +3619,7 @@
             </a:pPr>
             <a:r>
               <a:rPr lang="en-US" altLang="en-GB"/>
-              <a:t>Welcome to Exploratory Data Analysis (EDA) — the art of understanding your data before doing anything else.</a:t>
-            </a:r>
-            <a:endParaRPr lang="en-US" altLang="en-GB"/>
-          </a:p>
-          <a:p>
-            <a:pPr marL="0" indent="0">
-              <a:buNone/>
-            </a:pPr>
-            <a:r>
-              <a:rPr lang="en-US" altLang="en-GB"/>
-              <a:t>We ask:</a:t>
+              <a:t>df['Temp_MA_6'] = df['Avg_Temperature'].rolling(window=6).mean()</a:t>
             </a:r>
             <a:endParaRPr lang="en-US" altLang="en-GB"/>
           </a:p>
@@ -3897,51 +3630,37 @@
             <a:endParaRPr lang="en-US" altLang="en-GB"/>
           </a:p>
           <a:p>
-            <a:pPr>
-              <a:buFont typeface="Wingdings" panose="05000000000000000000" charset="0"/>
-              <a:buChar char="o"/>
+            <a:pPr marL="0" indent="0">
+              <a:buNone/>
             </a:pPr>
-            <a:r>
-              <a:rPr lang="en-US" altLang="en-GB"/>
-              <a:t> What’s the shape of the data?</a:t>
-            </a:r>
             <a:endParaRPr lang="en-US" altLang="en-GB"/>
           </a:p>
-          <a:p>
-            <a:pPr>
-              <a:buFont typeface="Wingdings" panose="05000000000000000000" charset="0"/>
-              <a:buChar char="o"/>
-            </a:pPr>
-            <a:r>
-              <a:rPr lang="en-US" altLang="en-GB"/>
-              <a:t> Are there missing or duplicate values?</a:t>
-            </a:r>
-            <a:endParaRPr lang="en-US" altLang="en-GB"/>
-          </a:p>
-          <a:p>
-            <a:pPr>
-              <a:buFont typeface="Wingdings" panose="05000000000000000000" charset="0"/>
-              <a:buChar char="o"/>
-            </a:pPr>
-            <a:r>
-              <a:rPr lang="en-US" altLang="en-GB"/>
-              <a:t> What are the data types?</a:t>
-            </a:r>
-            <a:endParaRPr lang="en-US" altLang="en-GB"/>
-          </a:p>
-          <a:p>
-            <a:pPr>
-              <a:buFont typeface="Wingdings" panose="05000000000000000000" charset="0"/>
-              <a:buChar char="o"/>
-            </a:pPr>
-            <a:r>
-              <a:rPr lang="en-US" altLang="en-GB"/>
-              <a:t> What's the average number of complaints per district?</a:t>
-            </a:r>
-            <a:endParaRPr lang="en-US" altLang="en-GB"/>
-          </a:p>
-        </p:txBody>
-      </p:sp>
+        </p:txBody>
+      </p:sp>
+      <p:pic>
+        <p:nvPicPr>
+          <p:cNvPr id="4" name="Picture 3"/>
+          <p:cNvPicPr>
+            <a:picLocks noChangeAspect="1"/>
+          </p:cNvPicPr>
+          <p:nvPr/>
+        </p:nvPicPr>
+        <p:blipFill>
+          <a:blip r:embed="rId1"/>
+          <a:stretch>
+            <a:fillRect/>
+          </a:stretch>
+        </p:blipFill>
+        <p:spPr>
+          <a:xfrm>
+            <a:off x="2866390" y="2602865"/>
+            <a:ext cx="6343650" cy="3505200"/>
+          </a:xfrm>
+          <a:prstGeom prst="rect">
+            <a:avLst/>
+          </a:prstGeom>
+        </p:spPr>
+      </p:pic>
     </p:spTree>
   </p:cSld>
   <p:clrMapOvr>
@@ -3975,102 +3694,37 @@
           <a:bodyPr/>
           <a:p>
             <a:r>
-              <a:rPr lang="en-US" altLang="en-GB" b="1">
-                <a:sym typeface="+mn-ea"/>
-              </a:rPr>
-              <a:t>What is Exploratory Data Analysis?</a:t>
-            </a:r>
-            <a:endParaRPr lang="en-GB" altLang="en-US" b="1"/>
-          </a:p>
-        </p:txBody>
-      </p:sp>
-      <p:sp>
-        <p:nvSpPr>
-          <p:cNvPr id="3" name="Content Placeholder 2"/>
-          <p:cNvSpPr>
-            <a:spLocks noGrp="1"/>
-          </p:cNvSpPr>
-          <p:nvPr>
-            <p:ph idx="1"/>
-          </p:nvPr>
-        </p:nvSpPr>
-        <p:spPr/>
-        <p:txBody>
-          <a:bodyPr>
-            <a:normAutofit/>
-          </a:bodyPr>
-          <a:p>
-            <a:pPr marL="0" indent="0">
-              <a:buNone/>
-            </a:pPr>
-            <a:r>
-              <a:rPr lang="en-US" altLang="en-GB"/>
-              <a:t>Welcome to Exploratory Data Analysis (EDA) — the art of understanding your data before doing anything else.</a:t>
-            </a:r>
-            <a:endParaRPr lang="en-US" altLang="en-GB"/>
-          </a:p>
-          <a:p>
-            <a:pPr marL="0" indent="0">
-              <a:buNone/>
-            </a:pPr>
-            <a:r>
-              <a:rPr lang="en-US" altLang="en-GB"/>
-              <a:t>We ask:</a:t>
-            </a:r>
-            <a:endParaRPr lang="en-US" altLang="en-GB"/>
-          </a:p>
-          <a:p>
-            <a:pPr marL="0" indent="0">
-              <a:buNone/>
-            </a:pPr>
-            <a:endParaRPr lang="en-US" altLang="en-GB"/>
-          </a:p>
-          <a:p>
-            <a:pPr>
-              <a:buFont typeface="Wingdings" panose="05000000000000000000" charset="0"/>
-              <a:buChar char="o"/>
-            </a:pPr>
-            <a:r>
-              <a:rPr lang="en-US" altLang="en-GB"/>
-              <a:t> What’s the shape of the data?</a:t>
-            </a:r>
-            <a:endParaRPr lang="en-US" altLang="en-GB"/>
-          </a:p>
-          <a:p>
-            <a:pPr>
-              <a:buFont typeface="Wingdings" panose="05000000000000000000" charset="0"/>
-              <a:buChar char="o"/>
-            </a:pPr>
-            <a:r>
-              <a:rPr lang="en-US" altLang="en-GB"/>
-              <a:t> Are there missing or duplicate values?</a:t>
-            </a:r>
-            <a:endParaRPr lang="en-US" altLang="en-GB"/>
-          </a:p>
-          <a:p>
-            <a:pPr>
-              <a:buFont typeface="Wingdings" panose="05000000000000000000" charset="0"/>
-              <a:buChar char="o"/>
-            </a:pPr>
-            <a:r>
-              <a:rPr lang="en-US" altLang="en-GB"/>
-              <a:t> What are the data types?</a:t>
-            </a:r>
-            <a:endParaRPr lang="en-US" altLang="en-GB"/>
-          </a:p>
-          <a:p>
-            <a:pPr>
-              <a:buFont typeface="Wingdings" panose="05000000000000000000" charset="0"/>
-              <a:buChar char="o"/>
-            </a:pPr>
-            <a:r>
-              <a:rPr lang="en-US" altLang="en-GB"/>
-              <a:t> What's the average number of complaints per district?</a:t>
-            </a:r>
-            <a:endParaRPr lang="en-US" altLang="en-GB"/>
-          </a:p>
-        </p:txBody>
-      </p:sp>
+              <a:rPr lang="en-US" altLang="en-GB" b="1"/>
+              <a:t>Why Moving average?</a:t>
+            </a:r>
+            <a:endParaRPr lang="en-US" altLang="en-GB" b="1"/>
+          </a:p>
+        </p:txBody>
+      </p:sp>
+      <p:pic>
+        <p:nvPicPr>
+          <p:cNvPr id="5" name="Picture 4"/>
+          <p:cNvPicPr>
+            <a:picLocks noChangeAspect="1"/>
+          </p:cNvPicPr>
+          <p:nvPr/>
+        </p:nvPicPr>
+        <p:blipFill>
+          <a:blip r:embed="rId1"/>
+          <a:stretch>
+            <a:fillRect/>
+          </a:stretch>
+        </p:blipFill>
+        <p:spPr>
+          <a:xfrm>
+            <a:off x="2947670" y="2000250"/>
+            <a:ext cx="6296025" cy="2857500"/>
+          </a:xfrm>
+          <a:prstGeom prst="rect">
+            <a:avLst/>
+          </a:prstGeom>
+        </p:spPr>
+      </p:pic>
     </p:spTree>
   </p:cSld>
   <p:clrMapOvr>
@@ -4104,108 +3758,37 @@
           <a:bodyPr/>
           <a:p>
             <a:r>
-              <a:rPr lang="en-US" altLang="en-GB" b="1">
-                <a:sym typeface="+mn-ea"/>
-              </a:rPr>
-              <a:t>What can you do?</a:t>
-            </a:r>
-            <a:endParaRPr lang="en-GB" altLang="en-US" b="1"/>
-          </a:p>
-        </p:txBody>
-      </p:sp>
-      <p:sp>
-        <p:nvSpPr>
-          <p:cNvPr id="3" name="Content Placeholder 2"/>
-          <p:cNvSpPr>
-            <a:spLocks noGrp="1"/>
-          </p:cNvSpPr>
-          <p:nvPr>
-            <p:ph idx="1"/>
-          </p:nvPr>
-        </p:nvSpPr>
-        <p:spPr/>
-        <p:txBody>
-          <a:bodyPr>
-            <a:normAutofit/>
-          </a:bodyPr>
-          <a:p>
-            <a:pPr marL="0" indent="0">
-              <a:buNone/>
-            </a:pPr>
-            <a:r>
-              <a:rPr lang="en-US" altLang="en-GB"/>
-              <a:t>You use:</a:t>
-            </a:r>
-            <a:endParaRPr lang="en-US" altLang="en-GB"/>
-          </a:p>
-          <a:p>
-            <a:pPr marL="0" indent="0">
-              <a:buNone/>
-            </a:pPr>
-            <a:endParaRPr lang="en-US" altLang="en-GB"/>
-          </a:p>
-          <a:p>
-            <a:pPr>
-              <a:buFont typeface="Wingdings" panose="05000000000000000000" charset="0"/>
-              <a:buChar char="ü"/>
-            </a:pPr>
-            <a:r>
-              <a:rPr lang="en-US" altLang="en-GB"/>
-              <a:t> Histograms</a:t>
-            </a:r>
-            <a:endParaRPr lang="en-US" altLang="en-GB"/>
-          </a:p>
-          <a:p>
-            <a:pPr>
-              <a:buFont typeface="Wingdings" panose="05000000000000000000" charset="0"/>
-              <a:buChar char="ü"/>
-            </a:pPr>
-            <a:r>
-              <a:rPr lang="en-US" altLang="en-GB"/>
-              <a:t> Box plots</a:t>
-            </a:r>
-            <a:endParaRPr lang="en-US" altLang="en-GB"/>
-          </a:p>
-          <a:p>
-            <a:pPr>
-              <a:buFont typeface="Wingdings" panose="05000000000000000000" charset="0"/>
-              <a:buChar char="ü"/>
-            </a:pPr>
-            <a:r>
-              <a:rPr lang="en-US" altLang="en-GB"/>
-              <a:t> Correlation heatmaps</a:t>
-            </a:r>
-            <a:endParaRPr lang="en-US" altLang="en-GB"/>
-          </a:p>
-          <a:p>
-            <a:pPr>
-              <a:buFont typeface="Wingdings" panose="05000000000000000000" charset="0"/>
-              <a:buChar char="ü"/>
-            </a:pPr>
-            <a:r>
-              <a:rPr lang="en-US" altLang="en-GB"/>
-              <a:t> Bar charts</a:t>
-            </a:r>
-            <a:endParaRPr lang="en-US" altLang="en-GB"/>
-          </a:p>
-          <a:p>
-            <a:pPr marL="0" indent="0">
-              <a:buNone/>
-            </a:pPr>
-            <a:endParaRPr lang="en-US" altLang="en-GB"/>
-          </a:p>
-          <a:p>
-            <a:pPr marL="0" indent="0">
-              <a:buNone/>
-            </a:pPr>
-            <a:r>
-              <a:rPr lang="en-US" altLang="en-GB"/>
-              <a:t>And slowly, the messy jungle of numbers becomes a clear story.</a:t>
-            </a:r>
-            <a:endParaRPr lang="en-US" altLang="en-GB"/>
-          </a:p>
-        </p:txBody>
-      </p:sp>
+              <a:rPr lang="en-US" altLang="en-GB" b="1"/>
+              <a:t>Moving average Example</a:t>
+            </a:r>
+            <a:endParaRPr lang="en-US" altLang="en-GB" b="1"/>
+          </a:p>
+        </p:txBody>
+      </p:sp>
+      <p:pic>
+        <p:nvPicPr>
+          <p:cNvPr id="3" name="Picture 2"/>
+          <p:cNvPicPr>
+            <a:picLocks noChangeAspect="1"/>
+          </p:cNvPicPr>
+          <p:nvPr/>
+        </p:nvPicPr>
+        <p:blipFill>
+          <a:blip r:embed="rId1"/>
+          <a:stretch>
+            <a:fillRect/>
+          </a:stretch>
+        </p:blipFill>
+        <p:spPr>
+          <a:xfrm>
+            <a:off x="2928620" y="1691005"/>
+            <a:ext cx="5633085" cy="4718685"/>
+          </a:xfrm>
+          <a:prstGeom prst="rect">
+            <a:avLst/>
+          </a:prstGeom>
+        </p:spPr>
+      </p:pic>
     </p:spTree>
   </p:cSld>
   <p:clrMapOvr>
@@ -4223,14 +3806,29 @@
         <p:cNvGrpSpPr/>
         <p:nvPr/>
       </p:nvGrpSpPr>
-      <p:grpSpPr>
-        <a:xfrm>
-          <a:off x="0" y="0"/>
-          <a:ext cx="0" cy="0"/>
-          <a:chOff x="0" y="0"/>
-          <a:chExt cx="0" cy="0"/>
-        </a:xfrm>
-      </p:grpSpPr>
+      <p:grpSpPr/>
+      <p:sp>
+        <p:nvSpPr>
+          <p:cNvPr id="2" name="Title 1"/>
+          <p:cNvSpPr>
+            <a:spLocks noGrp="1"/>
+          </p:cNvSpPr>
+          <p:nvPr>
+            <p:ph type="title"/>
+          </p:nvPr>
+        </p:nvSpPr>
+        <p:spPr/>
+        <p:txBody>
+          <a:bodyPr/>
+          <a:p>
+            <a:r>
+              <a:rPr lang="en-US" altLang="en-GB" b="1"/>
+              <a:t>What is seasonal decomposition?</a:t>
+            </a:r>
+            <a:endParaRPr lang="en-US" altLang="en-GB" b="1"/>
+          </a:p>
+        </p:txBody>
+      </p:sp>
       <p:pic>
         <p:nvPicPr>
           <p:cNvPr id="4" name="Picture 3"/>
@@ -4247,43 +3845,14 @@
         </p:blipFill>
         <p:spPr>
           <a:xfrm>
-            <a:off x="1217930" y="1945005"/>
-            <a:ext cx="10318750" cy="3538220"/>
+            <a:off x="1856105" y="1865630"/>
+            <a:ext cx="8286750" cy="4267200"/>
           </a:xfrm>
           <a:prstGeom prst="rect">
             <a:avLst/>
           </a:prstGeom>
         </p:spPr>
       </p:pic>
-      <p:sp>
-        <p:nvSpPr>
-          <p:cNvPr id="5" name="Title 4"/>
-          <p:cNvSpPr>
-            <a:spLocks noGrp="1"/>
-          </p:cNvSpPr>
-          <p:nvPr>
-            <p:ph type="title"/>
-          </p:nvPr>
-        </p:nvSpPr>
-        <p:spPr>
-          <a:xfrm>
-            <a:off x="1380490" y="465455"/>
-            <a:ext cx="9287510" cy="961390"/>
-          </a:xfrm>
-        </p:spPr>
-        <p:txBody>
-          <a:bodyPr>
-            <a:normAutofit fontScale="90000"/>
-          </a:bodyPr>
-          <a:p>
-            <a:r>
-              <a:rPr lang="en-US" altLang="en-GB" b="1"/>
-              <a:t>Seaborn styling set</a:t>
-            </a:r>
-            <a:endParaRPr lang="en-US" altLang="en-GB" b="1"/>
-          </a:p>
-        </p:txBody>
-      </p:sp>
     </p:spTree>
   </p:cSld>
   <p:clrMapOvr>
